--- a/my-react-app/MB_Training_Images.pptx
+++ b/my-react-app/MB_Training_Images.pptx
@@ -52802,7 +52802,7 @@
           <a:p>
             <a:pPr algn="ctr"/>
             <a:r>
-              <a:rPr lang="en-US" sz="1200" b="1">
+              <a:rPr lang="en-US" sz="1200" b="1" dirty="0" err="1">
                 <a:solidFill>
                   <a:srgbClr val="FF0000"/>
                 </a:solidFill>

--- a/my-react-app/MB_Training_Images.pptx
+++ b/my-react-app/MB_Training_Images.pptx
@@ -63,6 +63,7 @@
     <p:sldId id="311" r:id="rId57"/>
     <p:sldId id="312" r:id="rId58"/>
     <p:sldId id="313" r:id="rId59"/>
+    <p:sldId id="314" r:id="rId60"/>
   </p:sldIdLst>
   <p:sldSz cx="12192000" cy="6858000"/>
   <p:notesSz cx="6858000" cy="9144000"/>
@@ -316,7 +317,7 @@
           <a:p>
             <a:fld id="{7EAE8DEA-61CA-412C-9D6E-50DA161E193E}" type="datetimeFigureOut">
               <a:rPr lang="en-US" smtClean="0"/>
-              <a:t>9/16/22</a:t>
+              <a:t>9/20/22</a:t>
             </a:fld>
             <a:endParaRPr lang="en-US"/>
           </a:p>
@@ -514,7 +515,7 @@
           <a:p>
             <a:fld id="{7EAE8DEA-61CA-412C-9D6E-50DA161E193E}" type="datetimeFigureOut">
               <a:rPr lang="en-US" smtClean="0"/>
-              <a:t>9/16/22</a:t>
+              <a:t>9/20/22</a:t>
             </a:fld>
             <a:endParaRPr lang="en-US"/>
           </a:p>
@@ -722,7 +723,7 @@
           <a:p>
             <a:fld id="{7EAE8DEA-61CA-412C-9D6E-50DA161E193E}" type="datetimeFigureOut">
               <a:rPr lang="en-US" smtClean="0"/>
-              <a:t>9/16/22</a:t>
+              <a:t>9/20/22</a:t>
             </a:fld>
             <a:endParaRPr lang="en-US"/>
           </a:p>
@@ -920,7 +921,7 @@
           <a:p>
             <a:fld id="{7EAE8DEA-61CA-412C-9D6E-50DA161E193E}" type="datetimeFigureOut">
               <a:rPr lang="en-US" smtClean="0"/>
-              <a:t>9/16/22</a:t>
+              <a:t>9/20/22</a:t>
             </a:fld>
             <a:endParaRPr lang="en-US"/>
           </a:p>
@@ -1195,7 +1196,7 @@
           <a:p>
             <a:fld id="{7EAE8DEA-61CA-412C-9D6E-50DA161E193E}" type="datetimeFigureOut">
               <a:rPr lang="en-US" smtClean="0"/>
-              <a:t>9/16/22</a:t>
+              <a:t>9/20/22</a:t>
             </a:fld>
             <a:endParaRPr lang="en-US"/>
           </a:p>
@@ -1460,7 +1461,7 @@
           <a:p>
             <a:fld id="{7EAE8DEA-61CA-412C-9D6E-50DA161E193E}" type="datetimeFigureOut">
               <a:rPr lang="en-US" smtClean="0"/>
-              <a:t>9/16/22</a:t>
+              <a:t>9/20/22</a:t>
             </a:fld>
             <a:endParaRPr lang="en-US"/>
           </a:p>
@@ -1872,7 +1873,7 @@
           <a:p>
             <a:fld id="{7EAE8DEA-61CA-412C-9D6E-50DA161E193E}" type="datetimeFigureOut">
               <a:rPr lang="en-US" smtClean="0"/>
-              <a:t>9/16/22</a:t>
+              <a:t>9/20/22</a:t>
             </a:fld>
             <a:endParaRPr lang="en-US"/>
           </a:p>
@@ -2013,7 +2014,7 @@
           <a:p>
             <a:fld id="{7EAE8DEA-61CA-412C-9D6E-50DA161E193E}" type="datetimeFigureOut">
               <a:rPr lang="en-US" smtClean="0"/>
-              <a:t>9/16/22</a:t>
+              <a:t>9/20/22</a:t>
             </a:fld>
             <a:endParaRPr lang="en-US"/>
           </a:p>
@@ -2126,7 +2127,7 @@
           <a:p>
             <a:fld id="{7EAE8DEA-61CA-412C-9D6E-50DA161E193E}" type="datetimeFigureOut">
               <a:rPr lang="en-US" smtClean="0"/>
-              <a:t>9/16/22</a:t>
+              <a:t>9/20/22</a:t>
             </a:fld>
             <a:endParaRPr lang="en-US"/>
           </a:p>
@@ -2437,7 +2438,7 @@
           <a:p>
             <a:fld id="{7EAE8DEA-61CA-412C-9D6E-50DA161E193E}" type="datetimeFigureOut">
               <a:rPr lang="en-US" smtClean="0"/>
-              <a:t>9/16/22</a:t>
+              <a:t>9/20/22</a:t>
             </a:fld>
             <a:endParaRPr lang="en-US"/>
           </a:p>
@@ -2725,7 +2726,7 @@
           <a:p>
             <a:fld id="{7EAE8DEA-61CA-412C-9D6E-50DA161E193E}" type="datetimeFigureOut">
               <a:rPr lang="en-US" smtClean="0"/>
-              <a:t>9/16/22</a:t>
+              <a:t>9/20/22</a:t>
             </a:fld>
             <a:endParaRPr lang="en-US"/>
           </a:p>
@@ -2966,7 +2967,7 @@
           <a:p>
             <a:fld id="{7EAE8DEA-61CA-412C-9D6E-50DA161E193E}" type="datetimeFigureOut">
               <a:rPr lang="en-US" smtClean="0"/>
-              <a:t>9/16/22</a:t>
+              <a:t>9/20/22</a:t>
             </a:fld>
             <a:endParaRPr lang="en-US"/>
           </a:p>
@@ -55222,6 +55223,476 @@
 </p:sld>
 </file>
 
+<file path=ppt/slides/slide59.xml><?xml version="1.0" encoding="utf-8"?>
+<p:sld xmlns:a="http://schemas.openxmlformats.org/drawingml/2006/main" xmlns:r="http://schemas.openxmlformats.org/officeDocument/2006/relationships" xmlns:p="http://schemas.openxmlformats.org/presentationml/2006/main">
+  <p:cSld>
+    <p:spTree>
+      <p:nvGrpSpPr>
+        <p:cNvPr id="1" name=""/>
+        <p:cNvGrpSpPr/>
+        <p:nvPr/>
+      </p:nvGrpSpPr>
+      <p:grpSpPr>
+        <a:xfrm>
+          <a:off x="0" y="0"/>
+          <a:ext cx="0" cy="0"/>
+          <a:chOff x="0" y="0"/>
+          <a:chExt cx="0" cy="0"/>
+        </a:xfrm>
+      </p:grpSpPr>
+      <p:sp>
+        <p:nvSpPr>
+          <p:cNvPr id="2" name="Rectangle 1">
+            <a:extLst>
+              <a:ext uri="{FF2B5EF4-FFF2-40B4-BE49-F238E27FC236}">
+                <a16:creationId xmlns:a16="http://schemas.microsoft.com/office/drawing/2014/main" id="{98D41C5F-097A-CE3C-089A-A27174282CB9}"/>
+              </a:ext>
+            </a:extLst>
+          </p:cNvPr>
+          <p:cNvSpPr/>
+          <p:nvPr/>
+        </p:nvSpPr>
+        <p:spPr>
+          <a:xfrm>
+            <a:off x="215153" y="268941"/>
+            <a:ext cx="11639774" cy="6400800"/>
+          </a:xfrm>
+          <a:prstGeom prst="rect">
+            <a:avLst/>
+          </a:prstGeom>
+        </p:spPr>
+        <p:style>
+          <a:lnRef idx="2">
+            <a:schemeClr val="accent6"/>
+          </a:lnRef>
+          <a:fillRef idx="1">
+            <a:schemeClr val="lt1"/>
+          </a:fillRef>
+          <a:effectRef idx="0">
+            <a:schemeClr val="accent6"/>
+          </a:effectRef>
+          <a:fontRef idx="minor">
+            <a:schemeClr val="dk1"/>
+          </a:fontRef>
+        </p:style>
+        <p:txBody>
+          <a:bodyPr rtlCol="0" anchor="ctr"/>
+          <a:lstStyle/>
+          <a:p>
+            <a:pPr algn="ctr"/>
+            <a:endParaRPr lang="en-US"/>
+          </a:p>
+        </p:txBody>
+      </p:sp>
+      <p:sp>
+        <p:nvSpPr>
+          <p:cNvPr id="3" name="TextBox 2">
+            <a:extLst>
+              <a:ext uri="{FF2B5EF4-FFF2-40B4-BE49-F238E27FC236}">
+                <a16:creationId xmlns:a16="http://schemas.microsoft.com/office/drawing/2014/main" id="{972BFA38-0FB4-061C-96C6-E5398F17BA2F}"/>
+              </a:ext>
+            </a:extLst>
+          </p:cNvPr>
+          <p:cNvSpPr txBox="1"/>
+          <p:nvPr/>
+        </p:nvSpPr>
+        <p:spPr>
+          <a:xfrm>
+            <a:off x="311972" y="333487"/>
+            <a:ext cx="2528047" cy="369332"/>
+          </a:xfrm>
+          <a:prstGeom prst="rect">
+            <a:avLst/>
+          </a:prstGeom>
+          <a:noFill/>
+        </p:spPr>
+        <p:txBody>
+          <a:bodyPr wrap="square" rtlCol="0">
+            <a:spAutoFit/>
+          </a:bodyPr>
+          <a:lstStyle/>
+          <a:p>
+            <a:r>
+              <a:rPr lang="en-US" dirty="0"/>
+              <a:t>Parent Component</a:t>
+            </a:r>
+          </a:p>
+        </p:txBody>
+      </p:sp>
+      <p:sp>
+        <p:nvSpPr>
+          <p:cNvPr id="4" name="Rounded Rectangle 3">
+            <a:extLst>
+              <a:ext uri="{FF2B5EF4-FFF2-40B4-BE49-F238E27FC236}">
+                <a16:creationId xmlns:a16="http://schemas.microsoft.com/office/drawing/2014/main" id="{6C829620-CA15-E9AC-03F8-F6BA4508A0ED}"/>
+              </a:ext>
+            </a:extLst>
+          </p:cNvPr>
+          <p:cNvSpPr/>
+          <p:nvPr/>
+        </p:nvSpPr>
+        <p:spPr>
+          <a:xfrm>
+            <a:off x="548640" y="1194099"/>
+            <a:ext cx="2926080" cy="2234901"/>
+          </a:xfrm>
+          <a:prstGeom prst="roundRect">
+            <a:avLst/>
+          </a:prstGeom>
+        </p:spPr>
+        <p:style>
+          <a:lnRef idx="2">
+            <a:schemeClr val="accent1">
+              <a:shade val="50000"/>
+            </a:schemeClr>
+          </a:lnRef>
+          <a:fillRef idx="1">
+            <a:schemeClr val="accent1"/>
+          </a:fillRef>
+          <a:effectRef idx="0">
+            <a:schemeClr val="accent1"/>
+          </a:effectRef>
+          <a:fontRef idx="minor">
+            <a:schemeClr val="lt1"/>
+          </a:fontRef>
+        </p:style>
+        <p:txBody>
+          <a:bodyPr rtlCol="0" anchor="ctr"/>
+          <a:lstStyle/>
+          <a:p>
+            <a:pPr algn="ctr"/>
+            <a:r>
+              <a:rPr lang="en-US" dirty="0"/>
+              <a:t>Child Component 1</a:t>
+            </a:r>
+          </a:p>
+        </p:txBody>
+      </p:sp>
+      <p:sp>
+        <p:nvSpPr>
+          <p:cNvPr id="5" name="Rounded Rectangle 4">
+            <a:extLst>
+              <a:ext uri="{FF2B5EF4-FFF2-40B4-BE49-F238E27FC236}">
+                <a16:creationId xmlns:a16="http://schemas.microsoft.com/office/drawing/2014/main" id="{6613C47F-DEB1-4837-45F7-C791FC33607E}"/>
+              </a:ext>
+            </a:extLst>
+          </p:cNvPr>
+          <p:cNvSpPr/>
+          <p:nvPr/>
+        </p:nvSpPr>
+        <p:spPr>
+          <a:xfrm>
+            <a:off x="4003637" y="1234440"/>
+            <a:ext cx="2926080" cy="2234901"/>
+          </a:xfrm>
+          <a:prstGeom prst="roundRect">
+            <a:avLst/>
+          </a:prstGeom>
+        </p:spPr>
+        <p:style>
+          <a:lnRef idx="2">
+            <a:schemeClr val="accent1">
+              <a:shade val="50000"/>
+            </a:schemeClr>
+          </a:lnRef>
+          <a:fillRef idx="1">
+            <a:schemeClr val="accent1"/>
+          </a:fillRef>
+          <a:effectRef idx="0">
+            <a:schemeClr val="accent1"/>
+          </a:effectRef>
+          <a:fontRef idx="minor">
+            <a:schemeClr val="lt1"/>
+          </a:fontRef>
+        </p:style>
+        <p:txBody>
+          <a:bodyPr rtlCol="0" anchor="ctr"/>
+          <a:lstStyle/>
+          <a:p>
+            <a:pPr algn="ctr"/>
+            <a:r>
+              <a:rPr lang="en-US" dirty="0"/>
+              <a:t>Child Component 2</a:t>
+            </a:r>
+          </a:p>
+        </p:txBody>
+      </p:sp>
+      <p:sp>
+        <p:nvSpPr>
+          <p:cNvPr id="6" name="Rounded Rectangle 5">
+            <a:extLst>
+              <a:ext uri="{FF2B5EF4-FFF2-40B4-BE49-F238E27FC236}">
+                <a16:creationId xmlns:a16="http://schemas.microsoft.com/office/drawing/2014/main" id="{E8480CF1-CEB5-BCFD-4268-6B7FC014BF00}"/>
+              </a:ext>
+            </a:extLst>
+          </p:cNvPr>
+          <p:cNvSpPr/>
+          <p:nvPr/>
+        </p:nvSpPr>
+        <p:spPr>
+          <a:xfrm>
+            <a:off x="7576970" y="1234440"/>
+            <a:ext cx="2926080" cy="2234901"/>
+          </a:xfrm>
+          <a:prstGeom prst="roundRect">
+            <a:avLst/>
+          </a:prstGeom>
+        </p:spPr>
+        <p:style>
+          <a:lnRef idx="2">
+            <a:schemeClr val="accent1">
+              <a:shade val="50000"/>
+            </a:schemeClr>
+          </a:lnRef>
+          <a:fillRef idx="1">
+            <a:schemeClr val="accent1"/>
+          </a:fillRef>
+          <a:effectRef idx="0">
+            <a:schemeClr val="accent1"/>
+          </a:effectRef>
+          <a:fontRef idx="minor">
+            <a:schemeClr val="lt1"/>
+          </a:fontRef>
+        </p:style>
+        <p:txBody>
+          <a:bodyPr rtlCol="0" anchor="ctr"/>
+          <a:lstStyle/>
+          <a:p>
+            <a:pPr algn="ctr"/>
+            <a:r>
+              <a:rPr lang="en-US" dirty="0"/>
+              <a:t>Child Component 3</a:t>
+            </a:r>
+          </a:p>
+        </p:txBody>
+      </p:sp>
+      <p:sp>
+        <p:nvSpPr>
+          <p:cNvPr id="7" name="Can 6">
+            <a:extLst>
+              <a:ext uri="{FF2B5EF4-FFF2-40B4-BE49-F238E27FC236}">
+                <a16:creationId xmlns:a16="http://schemas.microsoft.com/office/drawing/2014/main" id="{8511D7D6-0A32-0E94-7AA0-CAB9D3C1B6D8}"/>
+              </a:ext>
+            </a:extLst>
+          </p:cNvPr>
+          <p:cNvSpPr/>
+          <p:nvPr/>
+        </p:nvSpPr>
+        <p:spPr>
+          <a:xfrm>
+            <a:off x="462579" y="4668819"/>
+            <a:ext cx="10886739" cy="1602889"/>
+          </a:xfrm>
+          <a:prstGeom prst="can">
+            <a:avLst/>
+          </a:prstGeom>
+        </p:spPr>
+        <p:style>
+          <a:lnRef idx="2">
+            <a:schemeClr val="accent1">
+              <a:shade val="50000"/>
+            </a:schemeClr>
+          </a:lnRef>
+          <a:fillRef idx="1">
+            <a:schemeClr val="accent1"/>
+          </a:fillRef>
+          <a:effectRef idx="0">
+            <a:schemeClr val="accent1"/>
+          </a:effectRef>
+          <a:fontRef idx="minor">
+            <a:schemeClr val="lt1"/>
+          </a:fontRef>
+        </p:style>
+        <p:txBody>
+          <a:bodyPr rtlCol="0" anchor="ctr"/>
+          <a:lstStyle/>
+          <a:p>
+            <a:pPr algn="ctr"/>
+            <a:r>
+              <a:rPr lang="en-US" b="1" dirty="0"/>
+              <a:t>Predictable State Container e.g. Redux Store</a:t>
+            </a:r>
+          </a:p>
+        </p:txBody>
+      </p:sp>
+      <p:cxnSp>
+        <p:nvCxnSpPr>
+          <p:cNvPr id="9" name="Elbow Connector 8">
+            <a:extLst>
+              <a:ext uri="{FF2B5EF4-FFF2-40B4-BE49-F238E27FC236}">
+                <a16:creationId xmlns:a16="http://schemas.microsoft.com/office/drawing/2014/main" id="{4BC8A968-FEA6-E23F-C8FF-2CB6093C52E9}"/>
+              </a:ext>
+            </a:extLst>
+          </p:cNvPr>
+          <p:cNvCxnSpPr>
+            <a:stCxn id="4" idx="2"/>
+            <a:endCxn id="7" idx="1"/>
+          </p:cNvCxnSpPr>
+          <p:nvPr/>
+        </p:nvCxnSpPr>
+        <p:spPr>
+          <a:xfrm rot="16200000" flipH="1">
+            <a:off x="3338905" y="2101774"/>
+            <a:ext cx="1239819" cy="3894269"/>
+          </a:xfrm>
+          <a:prstGeom prst="bentConnector3">
+            <a:avLst/>
+          </a:prstGeom>
+          <a:ln>
+            <a:tailEnd type="triangle"/>
+          </a:ln>
+        </p:spPr>
+        <p:style>
+          <a:lnRef idx="1">
+            <a:schemeClr val="accent1"/>
+          </a:lnRef>
+          <a:fillRef idx="0">
+            <a:schemeClr val="accent1"/>
+          </a:fillRef>
+          <a:effectRef idx="0">
+            <a:schemeClr val="accent1"/>
+          </a:effectRef>
+          <a:fontRef idx="minor">
+            <a:schemeClr val="tx1"/>
+          </a:fontRef>
+        </p:style>
+      </p:cxnSp>
+      <p:cxnSp>
+        <p:nvCxnSpPr>
+          <p:cNvPr id="11" name="Elbow Connector 10">
+            <a:extLst>
+              <a:ext uri="{FF2B5EF4-FFF2-40B4-BE49-F238E27FC236}">
+                <a16:creationId xmlns:a16="http://schemas.microsoft.com/office/drawing/2014/main" id="{9E7D5D37-B053-8FB5-4719-59EDCE5FADBB}"/>
+              </a:ext>
+            </a:extLst>
+          </p:cNvPr>
+          <p:cNvCxnSpPr>
+            <a:endCxn id="4" idx="2"/>
+          </p:cNvCxnSpPr>
+          <p:nvPr/>
+        </p:nvCxnSpPr>
+        <p:spPr>
+          <a:xfrm rot="10800000">
+            <a:off x="2011680" y="3429000"/>
+            <a:ext cx="3894268" cy="1199478"/>
+          </a:xfrm>
+          <a:prstGeom prst="bentConnector2">
+            <a:avLst/>
+          </a:prstGeom>
+          <a:ln>
+            <a:tailEnd type="triangle"/>
+          </a:ln>
+        </p:spPr>
+        <p:style>
+          <a:lnRef idx="1">
+            <a:schemeClr val="accent1"/>
+          </a:lnRef>
+          <a:fillRef idx="0">
+            <a:schemeClr val="accent1"/>
+          </a:fillRef>
+          <a:effectRef idx="0">
+            <a:schemeClr val="accent1"/>
+          </a:effectRef>
+          <a:fontRef idx="minor">
+            <a:schemeClr val="tx1"/>
+          </a:fontRef>
+        </p:style>
+      </p:cxnSp>
+      <p:cxnSp>
+        <p:nvCxnSpPr>
+          <p:cNvPr id="13" name="Elbow Connector 12">
+            <a:extLst>
+              <a:ext uri="{FF2B5EF4-FFF2-40B4-BE49-F238E27FC236}">
+                <a16:creationId xmlns:a16="http://schemas.microsoft.com/office/drawing/2014/main" id="{0F8F1EA1-B9B1-86CC-05D2-84EF32D233C2}"/>
+              </a:ext>
+            </a:extLst>
+          </p:cNvPr>
+          <p:cNvCxnSpPr>
+            <a:stCxn id="5" idx="2"/>
+          </p:cNvCxnSpPr>
+          <p:nvPr/>
+        </p:nvCxnSpPr>
+        <p:spPr>
+          <a:xfrm rot="16200000" flipH="1">
+            <a:off x="5106744" y="3829273"/>
+            <a:ext cx="1159137" cy="439271"/>
+          </a:xfrm>
+          <a:prstGeom prst="bentConnector3">
+            <a:avLst/>
+          </a:prstGeom>
+          <a:ln>
+            <a:tailEnd type="triangle"/>
+          </a:ln>
+        </p:spPr>
+        <p:style>
+          <a:lnRef idx="1">
+            <a:schemeClr val="accent1"/>
+          </a:lnRef>
+          <a:fillRef idx="0">
+            <a:schemeClr val="accent1"/>
+          </a:fillRef>
+          <a:effectRef idx="0">
+            <a:schemeClr val="accent1"/>
+          </a:effectRef>
+          <a:fontRef idx="minor">
+            <a:schemeClr val="tx1"/>
+          </a:fontRef>
+        </p:style>
+      </p:cxnSp>
+      <p:cxnSp>
+        <p:nvCxnSpPr>
+          <p:cNvPr id="15" name="Elbow Connector 14">
+            <a:extLst>
+              <a:ext uri="{FF2B5EF4-FFF2-40B4-BE49-F238E27FC236}">
+                <a16:creationId xmlns:a16="http://schemas.microsoft.com/office/drawing/2014/main" id="{08841390-A0C8-5F29-3C1C-457421DE3EA3}"/>
+              </a:ext>
+            </a:extLst>
+          </p:cNvPr>
+          <p:cNvCxnSpPr>
+            <a:endCxn id="5" idx="2"/>
+          </p:cNvCxnSpPr>
+          <p:nvPr/>
+        </p:nvCxnSpPr>
+        <p:spPr>
+          <a:xfrm rot="16200000" flipV="1">
+            <a:off x="5106744" y="3829274"/>
+            <a:ext cx="1159138" cy="439271"/>
+          </a:xfrm>
+          <a:prstGeom prst="bentConnector3">
+            <a:avLst/>
+          </a:prstGeom>
+          <a:ln>
+            <a:tailEnd type="triangle"/>
+          </a:ln>
+        </p:spPr>
+        <p:style>
+          <a:lnRef idx="1">
+            <a:schemeClr val="accent1"/>
+          </a:lnRef>
+          <a:fillRef idx="0">
+            <a:schemeClr val="accent1"/>
+          </a:fillRef>
+          <a:effectRef idx="0">
+            <a:schemeClr val="accent1"/>
+          </a:effectRef>
+          <a:fontRef idx="minor">
+            <a:schemeClr val="tx1"/>
+          </a:fontRef>
+        </p:style>
+      </p:cxnSp>
+    </p:spTree>
+    <p:extLst>
+      <p:ext uri="{BB962C8B-B14F-4D97-AF65-F5344CB8AC3E}">
+        <p14:creationId xmlns:p14="http://schemas.microsoft.com/office/powerpoint/2010/main" val="2398194375"/>
+      </p:ext>
+    </p:extLst>
+  </p:cSld>
+  <p:clrMapOvr>
+    <a:masterClrMapping/>
+  </p:clrMapOvr>
+</p:sld>
+</file>
+
 <file path=ppt/slides/slide6.xml><?xml version="1.0" encoding="utf-8"?>
 <p:sld xmlns:a="http://schemas.openxmlformats.org/drawingml/2006/main" xmlns:r="http://schemas.openxmlformats.org/officeDocument/2006/relationships" xmlns:p="http://schemas.openxmlformats.org/presentationml/2006/main">
   <p:cSld>
